--- a/Architecture.pptx
+++ b/Architecture.pptx
@@ -7,6 +7,7 @@
   <p:sldIdLst>
     <p:sldId id="257" r:id="rId2"/>
     <p:sldId id="256" r:id="rId3"/>
+    <p:sldId id="258" r:id="rId4"/>
   </p:sldIdLst>
   <p:sldSz cx="12192000" cy="6858000"/>
   <p:notesSz cx="6858000" cy="9144000"/>
@@ -260,7 +261,7 @@
           <a:p>
             <a:fld id="{FD16D8A6-CA92-40EB-9A78-3D08A004A8A0}" type="datetimeFigureOut">
               <a:rPr lang="en-US" smtClean="0"/>
-              <a:t>5/10/2023</a:t>
+              <a:t>5/11/2023</a:t>
             </a:fld>
             <a:endParaRPr lang="en-US"/>
           </a:p>
@@ -458,7 +459,7 @@
           <a:p>
             <a:fld id="{FD16D8A6-CA92-40EB-9A78-3D08A004A8A0}" type="datetimeFigureOut">
               <a:rPr lang="en-US" smtClean="0"/>
-              <a:t>5/10/2023</a:t>
+              <a:t>5/11/2023</a:t>
             </a:fld>
             <a:endParaRPr lang="en-US"/>
           </a:p>
@@ -666,7 +667,7 @@
           <a:p>
             <a:fld id="{FD16D8A6-CA92-40EB-9A78-3D08A004A8A0}" type="datetimeFigureOut">
               <a:rPr lang="en-US" smtClean="0"/>
-              <a:t>5/10/2023</a:t>
+              <a:t>5/11/2023</a:t>
             </a:fld>
             <a:endParaRPr lang="en-US"/>
           </a:p>
@@ -864,7 +865,7 @@
           <a:p>
             <a:fld id="{FD16D8A6-CA92-40EB-9A78-3D08A004A8A0}" type="datetimeFigureOut">
               <a:rPr lang="en-US" smtClean="0"/>
-              <a:t>5/10/2023</a:t>
+              <a:t>5/11/2023</a:t>
             </a:fld>
             <a:endParaRPr lang="en-US"/>
           </a:p>
@@ -1139,7 +1140,7 @@
           <a:p>
             <a:fld id="{FD16D8A6-CA92-40EB-9A78-3D08A004A8A0}" type="datetimeFigureOut">
               <a:rPr lang="en-US" smtClean="0"/>
-              <a:t>5/10/2023</a:t>
+              <a:t>5/11/2023</a:t>
             </a:fld>
             <a:endParaRPr lang="en-US"/>
           </a:p>
@@ -1404,7 +1405,7 @@
           <a:p>
             <a:fld id="{FD16D8A6-CA92-40EB-9A78-3D08A004A8A0}" type="datetimeFigureOut">
               <a:rPr lang="en-US" smtClean="0"/>
-              <a:t>5/10/2023</a:t>
+              <a:t>5/11/2023</a:t>
             </a:fld>
             <a:endParaRPr lang="en-US"/>
           </a:p>
@@ -1816,7 +1817,7 @@
           <a:p>
             <a:fld id="{FD16D8A6-CA92-40EB-9A78-3D08A004A8A0}" type="datetimeFigureOut">
               <a:rPr lang="en-US" smtClean="0"/>
-              <a:t>5/10/2023</a:t>
+              <a:t>5/11/2023</a:t>
             </a:fld>
             <a:endParaRPr lang="en-US"/>
           </a:p>
@@ -1957,7 +1958,7 @@
           <a:p>
             <a:fld id="{FD16D8A6-CA92-40EB-9A78-3D08A004A8A0}" type="datetimeFigureOut">
               <a:rPr lang="en-US" smtClean="0"/>
-              <a:t>5/10/2023</a:t>
+              <a:t>5/11/2023</a:t>
             </a:fld>
             <a:endParaRPr lang="en-US"/>
           </a:p>
@@ -2070,7 +2071,7 @@
           <a:p>
             <a:fld id="{FD16D8A6-CA92-40EB-9A78-3D08A004A8A0}" type="datetimeFigureOut">
               <a:rPr lang="en-US" smtClean="0"/>
-              <a:t>5/10/2023</a:t>
+              <a:t>5/11/2023</a:t>
             </a:fld>
             <a:endParaRPr lang="en-US"/>
           </a:p>
@@ -2381,7 +2382,7 @@
           <a:p>
             <a:fld id="{FD16D8A6-CA92-40EB-9A78-3D08A004A8A0}" type="datetimeFigureOut">
               <a:rPr lang="en-US" smtClean="0"/>
-              <a:t>5/10/2023</a:t>
+              <a:t>5/11/2023</a:t>
             </a:fld>
             <a:endParaRPr lang="en-US"/>
           </a:p>
@@ -2669,7 +2670,7 @@
           <a:p>
             <a:fld id="{FD16D8A6-CA92-40EB-9A78-3D08A004A8A0}" type="datetimeFigureOut">
               <a:rPr lang="en-US" smtClean="0"/>
-              <a:t>5/10/2023</a:t>
+              <a:t>5/11/2023</a:t>
             </a:fld>
             <a:endParaRPr lang="en-US"/>
           </a:p>
@@ -2910,7 +2911,7 @@
           <a:p>
             <a:fld id="{FD16D8A6-CA92-40EB-9A78-3D08A004A8A0}" type="datetimeFigureOut">
               <a:rPr lang="en-US" smtClean="0"/>
-              <a:t>5/10/2023</a:t>
+              <a:t>5/11/2023</a:t>
             </a:fld>
             <a:endParaRPr lang="en-US"/>
           </a:p>
@@ -4488,6 +4489,496 @@
 </p:sld>
 </file>
 
+<file path=ppt/slides/slide3.xml><?xml version="1.0" encoding="utf-8"?>
+<p:sld xmlns:a="http://schemas.openxmlformats.org/drawingml/2006/main" xmlns:r="http://schemas.openxmlformats.org/officeDocument/2006/relationships" xmlns:p="http://schemas.openxmlformats.org/presentationml/2006/main">
+  <p:cSld>
+    <p:spTree>
+      <p:nvGrpSpPr>
+        <p:cNvPr id="1" name=""/>
+        <p:cNvGrpSpPr/>
+        <p:nvPr/>
+      </p:nvGrpSpPr>
+      <p:grpSpPr>
+        <a:xfrm>
+          <a:off x="0" y="0"/>
+          <a:ext cx="0" cy="0"/>
+          <a:chOff x="0" y="0"/>
+          <a:chExt cx="0" cy="0"/>
+        </a:xfrm>
+      </p:grpSpPr>
+      <p:pic>
+        <p:nvPicPr>
+          <p:cNvPr id="3" name="Graphic 2" descr="Internet">
+            <a:extLst>
+              <a:ext uri="{FF2B5EF4-FFF2-40B4-BE49-F238E27FC236}">
+                <a16:creationId xmlns:a16="http://schemas.microsoft.com/office/drawing/2014/main" id="{55E44EAC-1E9F-75DC-475D-06BDAEC35F67}"/>
+              </a:ext>
+            </a:extLst>
+          </p:cNvPr>
+          <p:cNvPicPr>
+            <a:picLocks noChangeAspect="1"/>
+          </p:cNvPicPr>
+          <p:nvPr/>
+        </p:nvPicPr>
+        <p:blipFill>
+          <a:blip r:embed="rId2">
+            <a:extLst>
+              <a:ext uri="{28A0092B-C50C-407E-A947-70E740481C1C}">
+                <a14:useLocalDpi xmlns:a14="http://schemas.microsoft.com/office/drawing/2010/main" val="0"/>
+              </a:ext>
+              <a:ext uri="{96DAC541-7B7A-43D3-8B79-37D633B846F1}">
+                <asvg:svgBlip xmlns:asvg="http://schemas.microsoft.com/office/drawing/2016/SVG/main" r:embed="rId3"/>
+              </a:ext>
+            </a:extLst>
+          </a:blip>
+          <a:stretch>
+            <a:fillRect/>
+          </a:stretch>
+        </p:blipFill>
+        <p:spPr>
+          <a:xfrm>
+            <a:off x="3630705" y="3541058"/>
+            <a:ext cx="914400" cy="914400"/>
+          </a:xfrm>
+          <a:prstGeom prst="rect">
+            <a:avLst/>
+          </a:prstGeom>
+        </p:spPr>
+      </p:pic>
+      <p:pic>
+        <p:nvPicPr>
+          <p:cNvPr id="4" name="Graphic 3" descr="Internet">
+            <a:extLst>
+              <a:ext uri="{FF2B5EF4-FFF2-40B4-BE49-F238E27FC236}">
+                <a16:creationId xmlns:a16="http://schemas.microsoft.com/office/drawing/2014/main" id="{5E89D127-A016-91F8-584F-070A287EFB89}"/>
+              </a:ext>
+            </a:extLst>
+          </p:cNvPr>
+          <p:cNvPicPr>
+            <a:picLocks noChangeAspect="1"/>
+          </p:cNvPicPr>
+          <p:nvPr/>
+        </p:nvPicPr>
+        <p:blipFill>
+          <a:blip r:embed="rId2">
+            <a:extLst>
+              <a:ext uri="{28A0092B-C50C-407E-A947-70E740481C1C}">
+                <a14:useLocalDpi xmlns:a14="http://schemas.microsoft.com/office/drawing/2010/main" val="0"/>
+              </a:ext>
+              <a:ext uri="{96DAC541-7B7A-43D3-8B79-37D633B846F1}">
+                <asvg:svgBlip xmlns:asvg="http://schemas.microsoft.com/office/drawing/2016/SVG/main" r:embed="rId3"/>
+              </a:ext>
+            </a:extLst>
+          </a:blip>
+          <a:stretch>
+            <a:fillRect/>
+          </a:stretch>
+        </p:blipFill>
+        <p:spPr>
+          <a:xfrm>
+            <a:off x="7646897" y="3541058"/>
+            <a:ext cx="914400" cy="914400"/>
+          </a:xfrm>
+          <a:prstGeom prst="rect">
+            <a:avLst/>
+          </a:prstGeom>
+        </p:spPr>
+      </p:pic>
+      <p:pic>
+        <p:nvPicPr>
+          <p:cNvPr id="6" name="Graphic 5" descr="Database">
+            <a:extLst>
+              <a:ext uri="{FF2B5EF4-FFF2-40B4-BE49-F238E27FC236}">
+                <a16:creationId xmlns:a16="http://schemas.microsoft.com/office/drawing/2014/main" id="{757A7CAC-756F-1456-C9C4-3ABC6785C26B}"/>
+              </a:ext>
+            </a:extLst>
+          </p:cNvPr>
+          <p:cNvPicPr>
+            <a:picLocks noChangeAspect="1"/>
+          </p:cNvPicPr>
+          <p:nvPr/>
+        </p:nvPicPr>
+        <p:blipFill>
+          <a:blip r:embed="rId4">
+            <a:extLst>
+              <a:ext uri="{28A0092B-C50C-407E-A947-70E740481C1C}">
+                <a14:useLocalDpi xmlns:a14="http://schemas.microsoft.com/office/drawing/2010/main" val="0"/>
+              </a:ext>
+              <a:ext uri="{96DAC541-7B7A-43D3-8B79-37D633B846F1}">
+                <asvg:svgBlip xmlns:asvg="http://schemas.microsoft.com/office/drawing/2016/SVG/main" r:embed="rId5"/>
+              </a:ext>
+            </a:extLst>
+          </a:blip>
+          <a:stretch>
+            <a:fillRect/>
+          </a:stretch>
+        </p:blipFill>
+        <p:spPr>
+          <a:xfrm>
+            <a:off x="5638800" y="1349188"/>
+            <a:ext cx="914400" cy="914400"/>
+          </a:xfrm>
+          <a:prstGeom prst="rect">
+            <a:avLst/>
+          </a:prstGeom>
+        </p:spPr>
+      </p:pic>
+      <p:sp>
+        <p:nvSpPr>
+          <p:cNvPr id="7" name="TextBox 6">
+            <a:extLst>
+              <a:ext uri="{FF2B5EF4-FFF2-40B4-BE49-F238E27FC236}">
+                <a16:creationId xmlns:a16="http://schemas.microsoft.com/office/drawing/2014/main" id="{72794D46-B6E1-EF04-F32E-44D30BA0FF05}"/>
+              </a:ext>
+            </a:extLst>
+          </p:cNvPr>
+          <p:cNvSpPr txBox="1"/>
+          <p:nvPr/>
+        </p:nvSpPr>
+        <p:spPr>
+          <a:xfrm>
+            <a:off x="3720657" y="3356392"/>
+            <a:ext cx="734496" cy="369332"/>
+          </a:xfrm>
+          <a:prstGeom prst="rect">
+            <a:avLst/>
+          </a:prstGeom>
+          <a:noFill/>
+        </p:spPr>
+        <p:txBody>
+          <a:bodyPr wrap="none" rtlCol="0">
+            <a:spAutoFit/>
+          </a:bodyPr>
+          <a:lstStyle/>
+          <a:p>
+            <a:r>
+              <a:rPr lang="en-US" dirty="0"/>
+              <a:t>User1</a:t>
+            </a:r>
+          </a:p>
+        </p:txBody>
+      </p:sp>
+      <p:sp>
+        <p:nvSpPr>
+          <p:cNvPr id="8" name="TextBox 7">
+            <a:extLst>
+              <a:ext uri="{FF2B5EF4-FFF2-40B4-BE49-F238E27FC236}">
+                <a16:creationId xmlns:a16="http://schemas.microsoft.com/office/drawing/2014/main" id="{FA250907-7037-473D-89FE-581C803108A4}"/>
+              </a:ext>
+            </a:extLst>
+          </p:cNvPr>
+          <p:cNvSpPr txBox="1"/>
+          <p:nvPr/>
+        </p:nvSpPr>
+        <p:spPr>
+          <a:xfrm>
+            <a:off x="7736849" y="3356392"/>
+            <a:ext cx="734496" cy="369332"/>
+          </a:xfrm>
+          <a:prstGeom prst="rect">
+            <a:avLst/>
+          </a:prstGeom>
+          <a:noFill/>
+        </p:spPr>
+        <p:txBody>
+          <a:bodyPr wrap="none" rtlCol="0">
+            <a:spAutoFit/>
+          </a:bodyPr>
+          <a:lstStyle/>
+          <a:p>
+            <a:r>
+              <a:rPr lang="en-US" dirty="0"/>
+              <a:t>User2</a:t>
+            </a:r>
+          </a:p>
+        </p:txBody>
+      </p:sp>
+      <p:cxnSp>
+        <p:nvCxnSpPr>
+          <p:cNvPr id="10" name="Straight Arrow Connector 9">
+            <a:extLst>
+              <a:ext uri="{FF2B5EF4-FFF2-40B4-BE49-F238E27FC236}">
+                <a16:creationId xmlns:a16="http://schemas.microsoft.com/office/drawing/2014/main" id="{4F8DA50C-8992-87C0-5FAE-D20CEAD145F9}"/>
+              </a:ext>
+            </a:extLst>
+          </p:cNvPr>
+          <p:cNvCxnSpPr>
+            <a:cxnSpLocks/>
+            <a:stCxn id="8" idx="1"/>
+            <a:endCxn id="6" idx="3"/>
+          </p:cNvCxnSpPr>
+          <p:nvPr/>
+        </p:nvCxnSpPr>
+        <p:spPr>
+          <a:xfrm flipH="1" flipV="1">
+            <a:off x="6553200" y="1806388"/>
+            <a:ext cx="1183649" cy="1734670"/>
+          </a:xfrm>
+          <a:prstGeom prst="straightConnector1">
+            <a:avLst/>
+          </a:prstGeom>
+          <a:ln w="28575">
+            <a:tailEnd type="triangle"/>
+          </a:ln>
+        </p:spPr>
+        <p:style>
+          <a:lnRef idx="1">
+            <a:schemeClr val="accent1"/>
+          </a:lnRef>
+          <a:fillRef idx="0">
+            <a:schemeClr val="accent1"/>
+          </a:fillRef>
+          <a:effectRef idx="0">
+            <a:schemeClr val="accent1"/>
+          </a:effectRef>
+          <a:fontRef idx="minor">
+            <a:schemeClr val="tx1"/>
+          </a:fontRef>
+        </p:style>
+      </p:cxnSp>
+      <p:cxnSp>
+        <p:nvCxnSpPr>
+          <p:cNvPr id="11" name="Straight Arrow Connector 10">
+            <a:extLst>
+              <a:ext uri="{FF2B5EF4-FFF2-40B4-BE49-F238E27FC236}">
+                <a16:creationId xmlns:a16="http://schemas.microsoft.com/office/drawing/2014/main" id="{ECAC7BB7-4E6A-E2DA-442D-990B1311C78B}"/>
+              </a:ext>
+            </a:extLst>
+          </p:cNvPr>
+          <p:cNvCxnSpPr>
+            <a:cxnSpLocks/>
+            <a:stCxn id="6" idx="1"/>
+            <a:endCxn id="7" idx="3"/>
+          </p:cNvCxnSpPr>
+          <p:nvPr/>
+        </p:nvCxnSpPr>
+        <p:spPr>
+          <a:xfrm flipH="1">
+            <a:off x="4455153" y="1806388"/>
+            <a:ext cx="1183647" cy="1734670"/>
+          </a:xfrm>
+          <a:prstGeom prst="straightConnector1">
+            <a:avLst/>
+          </a:prstGeom>
+          <a:ln w="28575">
+            <a:tailEnd type="triangle"/>
+          </a:ln>
+        </p:spPr>
+        <p:style>
+          <a:lnRef idx="1">
+            <a:schemeClr val="accent1"/>
+          </a:lnRef>
+          <a:fillRef idx="0">
+            <a:schemeClr val="accent1"/>
+          </a:fillRef>
+          <a:effectRef idx="0">
+            <a:schemeClr val="accent1"/>
+          </a:effectRef>
+          <a:fontRef idx="minor">
+            <a:schemeClr val="tx1"/>
+          </a:fontRef>
+        </p:style>
+      </p:cxnSp>
+      <p:sp>
+        <p:nvSpPr>
+          <p:cNvPr id="16" name="TextBox 15">
+            <a:extLst>
+              <a:ext uri="{FF2B5EF4-FFF2-40B4-BE49-F238E27FC236}">
+                <a16:creationId xmlns:a16="http://schemas.microsoft.com/office/drawing/2014/main" id="{15AB8A39-1DD1-E74F-AA9B-7EB9562A5A06}"/>
+              </a:ext>
+            </a:extLst>
+          </p:cNvPr>
+          <p:cNvSpPr txBox="1"/>
+          <p:nvPr/>
+        </p:nvSpPr>
+        <p:spPr>
+          <a:xfrm>
+            <a:off x="5404802" y="2263588"/>
+            <a:ext cx="2134515" cy="523220"/>
+          </a:xfrm>
+          <a:prstGeom prst="rect">
+            <a:avLst/>
+          </a:prstGeom>
+          <a:noFill/>
+        </p:spPr>
+        <p:txBody>
+          <a:bodyPr wrap="square" rtlCol="0">
+            <a:spAutoFit/>
+          </a:bodyPr>
+          <a:lstStyle/>
+          <a:p>
+            <a:r>
+              <a:rPr lang="en-US" sz="1400" dirty="0"/>
+              <a:t>1.  Send User2’s information to User1</a:t>
+            </a:r>
+          </a:p>
+        </p:txBody>
+      </p:sp>
+      <p:cxnSp>
+        <p:nvCxnSpPr>
+          <p:cNvPr id="23" name="Straight Arrow Connector 22">
+            <a:extLst>
+              <a:ext uri="{FF2B5EF4-FFF2-40B4-BE49-F238E27FC236}">
+                <a16:creationId xmlns:a16="http://schemas.microsoft.com/office/drawing/2014/main" id="{8910C982-FBC2-7F6F-1962-7004F4F9FFED}"/>
+              </a:ext>
+            </a:extLst>
+          </p:cNvPr>
+          <p:cNvCxnSpPr>
+            <a:cxnSpLocks/>
+          </p:cNvCxnSpPr>
+          <p:nvPr/>
+        </p:nvCxnSpPr>
+        <p:spPr>
+          <a:xfrm>
+            <a:off x="4437525" y="3725724"/>
+            <a:ext cx="3299324" cy="0"/>
+          </a:xfrm>
+          <a:prstGeom prst="straightConnector1">
+            <a:avLst/>
+          </a:prstGeom>
+          <a:ln w="28575">
+            <a:tailEnd type="triangle"/>
+          </a:ln>
+        </p:spPr>
+        <p:style>
+          <a:lnRef idx="1">
+            <a:schemeClr val="accent1"/>
+          </a:lnRef>
+          <a:fillRef idx="0">
+            <a:schemeClr val="accent1"/>
+          </a:fillRef>
+          <a:effectRef idx="0">
+            <a:schemeClr val="accent1"/>
+          </a:effectRef>
+          <a:fontRef idx="minor">
+            <a:schemeClr val="tx1"/>
+          </a:fontRef>
+        </p:style>
+      </p:cxnSp>
+      <p:sp>
+        <p:nvSpPr>
+          <p:cNvPr id="26" name="TextBox 25">
+            <a:extLst>
+              <a:ext uri="{FF2B5EF4-FFF2-40B4-BE49-F238E27FC236}">
+                <a16:creationId xmlns:a16="http://schemas.microsoft.com/office/drawing/2014/main" id="{C6309889-AEA0-941A-1D88-40E4FEB2326A}"/>
+              </a:ext>
+            </a:extLst>
+          </p:cNvPr>
+          <p:cNvSpPr txBox="1"/>
+          <p:nvPr/>
+        </p:nvSpPr>
+        <p:spPr>
+          <a:xfrm>
+            <a:off x="4787003" y="3356392"/>
+            <a:ext cx="2859894" cy="307777"/>
+          </a:xfrm>
+          <a:prstGeom prst="rect">
+            <a:avLst/>
+          </a:prstGeom>
+          <a:noFill/>
+        </p:spPr>
+        <p:txBody>
+          <a:bodyPr wrap="square" rtlCol="0">
+            <a:spAutoFit/>
+          </a:bodyPr>
+          <a:lstStyle/>
+          <a:p>
+            <a:r>
+              <a:rPr lang="en-US" sz="1400" dirty="0"/>
+              <a:t>2. calls User2 / sends media stream</a:t>
+            </a:r>
+          </a:p>
+        </p:txBody>
+      </p:sp>
+      <p:cxnSp>
+        <p:nvCxnSpPr>
+          <p:cNvPr id="28" name="Straight Arrow Connector 27">
+            <a:extLst>
+              <a:ext uri="{FF2B5EF4-FFF2-40B4-BE49-F238E27FC236}">
+                <a16:creationId xmlns:a16="http://schemas.microsoft.com/office/drawing/2014/main" id="{8A8462E9-F016-6C41-4872-259F89C64ABB}"/>
+              </a:ext>
+            </a:extLst>
+          </p:cNvPr>
+          <p:cNvCxnSpPr>
+            <a:cxnSpLocks/>
+          </p:cNvCxnSpPr>
+          <p:nvPr/>
+        </p:nvCxnSpPr>
+        <p:spPr>
+          <a:xfrm flipH="1">
+            <a:off x="4545104" y="4233753"/>
+            <a:ext cx="3101793" cy="0"/>
+          </a:xfrm>
+          <a:prstGeom prst="straightConnector1">
+            <a:avLst/>
+          </a:prstGeom>
+          <a:ln w="28575">
+            <a:tailEnd type="triangle"/>
+          </a:ln>
+        </p:spPr>
+        <p:style>
+          <a:lnRef idx="1">
+            <a:schemeClr val="accent1"/>
+          </a:lnRef>
+          <a:fillRef idx="0">
+            <a:schemeClr val="accent1"/>
+          </a:fillRef>
+          <a:effectRef idx="0">
+            <a:schemeClr val="accent1"/>
+          </a:effectRef>
+          <a:fontRef idx="minor">
+            <a:schemeClr val="tx1"/>
+          </a:fontRef>
+        </p:style>
+      </p:cxnSp>
+      <p:sp>
+        <p:nvSpPr>
+          <p:cNvPr id="29" name="TextBox 28">
+            <a:extLst>
+              <a:ext uri="{FF2B5EF4-FFF2-40B4-BE49-F238E27FC236}">
+                <a16:creationId xmlns:a16="http://schemas.microsoft.com/office/drawing/2014/main" id="{5B60F5C1-39E8-5A50-379A-E82F6A266486}"/>
+              </a:ext>
+            </a:extLst>
+          </p:cNvPr>
+          <p:cNvSpPr txBox="1"/>
+          <p:nvPr/>
+        </p:nvSpPr>
+        <p:spPr>
+          <a:xfrm>
+            <a:off x="4545104" y="4233752"/>
+            <a:ext cx="3451414" cy="307777"/>
+          </a:xfrm>
+          <a:prstGeom prst="rect">
+            <a:avLst/>
+          </a:prstGeom>
+          <a:noFill/>
+        </p:spPr>
+        <p:txBody>
+          <a:bodyPr wrap="square" rtlCol="0">
+            <a:spAutoFit/>
+          </a:bodyPr>
+          <a:lstStyle/>
+          <a:p>
+            <a:r>
+              <a:rPr lang="en-US" sz="1400" dirty="0"/>
+              <a:t>3. answers User1’s call / sends media stream</a:t>
+            </a:r>
+          </a:p>
+        </p:txBody>
+      </p:sp>
+    </p:spTree>
+    <p:extLst>
+      <p:ext uri="{BB962C8B-B14F-4D97-AF65-F5344CB8AC3E}">
+        <p14:creationId xmlns:p14="http://schemas.microsoft.com/office/powerpoint/2010/main" val="804856496"/>
+      </p:ext>
+    </p:extLst>
+  </p:cSld>
+  <p:clrMapOvr>
+    <a:masterClrMapping/>
+  </p:clrMapOvr>
+</p:sld>
+</file>
+
 <file path=ppt/theme/theme1.xml><?xml version="1.0" encoding="utf-8"?>
 <a:theme xmlns:a="http://schemas.openxmlformats.org/drawingml/2006/main" name="Office Theme">
   <a:themeElements>

--- a/Architecture.pptx
+++ b/Architecture.pptx
@@ -8,6 +8,7 @@
     <p:sldId id="257" r:id="rId2"/>
     <p:sldId id="256" r:id="rId3"/>
     <p:sldId id="258" r:id="rId4"/>
+    <p:sldId id="259" r:id="rId5"/>
   </p:sldIdLst>
   <p:sldSz cx="12192000" cy="6858000"/>
   <p:notesSz cx="6858000" cy="9144000"/>
@@ -261,7 +262,7 @@
           <a:p>
             <a:fld id="{FD16D8A6-CA92-40EB-9A78-3D08A004A8A0}" type="datetimeFigureOut">
               <a:rPr lang="en-US" smtClean="0"/>
-              <a:t>5/11/2023</a:t>
+              <a:t>5/28/2023</a:t>
             </a:fld>
             <a:endParaRPr lang="en-US"/>
           </a:p>
@@ -459,7 +460,7 @@
           <a:p>
             <a:fld id="{FD16D8A6-CA92-40EB-9A78-3D08A004A8A0}" type="datetimeFigureOut">
               <a:rPr lang="en-US" smtClean="0"/>
-              <a:t>5/11/2023</a:t>
+              <a:t>5/28/2023</a:t>
             </a:fld>
             <a:endParaRPr lang="en-US"/>
           </a:p>
@@ -667,7 +668,7 @@
           <a:p>
             <a:fld id="{FD16D8A6-CA92-40EB-9A78-3D08A004A8A0}" type="datetimeFigureOut">
               <a:rPr lang="en-US" smtClean="0"/>
-              <a:t>5/11/2023</a:t>
+              <a:t>5/28/2023</a:t>
             </a:fld>
             <a:endParaRPr lang="en-US"/>
           </a:p>
@@ -865,7 +866,7 @@
           <a:p>
             <a:fld id="{FD16D8A6-CA92-40EB-9A78-3D08A004A8A0}" type="datetimeFigureOut">
               <a:rPr lang="en-US" smtClean="0"/>
-              <a:t>5/11/2023</a:t>
+              <a:t>5/28/2023</a:t>
             </a:fld>
             <a:endParaRPr lang="en-US"/>
           </a:p>
@@ -1140,7 +1141,7 @@
           <a:p>
             <a:fld id="{FD16D8A6-CA92-40EB-9A78-3D08A004A8A0}" type="datetimeFigureOut">
               <a:rPr lang="en-US" smtClean="0"/>
-              <a:t>5/11/2023</a:t>
+              <a:t>5/28/2023</a:t>
             </a:fld>
             <a:endParaRPr lang="en-US"/>
           </a:p>
@@ -1405,7 +1406,7 @@
           <a:p>
             <a:fld id="{FD16D8A6-CA92-40EB-9A78-3D08A004A8A0}" type="datetimeFigureOut">
               <a:rPr lang="en-US" smtClean="0"/>
-              <a:t>5/11/2023</a:t>
+              <a:t>5/28/2023</a:t>
             </a:fld>
             <a:endParaRPr lang="en-US"/>
           </a:p>
@@ -1817,7 +1818,7 @@
           <a:p>
             <a:fld id="{FD16D8A6-CA92-40EB-9A78-3D08A004A8A0}" type="datetimeFigureOut">
               <a:rPr lang="en-US" smtClean="0"/>
-              <a:t>5/11/2023</a:t>
+              <a:t>5/28/2023</a:t>
             </a:fld>
             <a:endParaRPr lang="en-US"/>
           </a:p>
@@ -1958,7 +1959,7 @@
           <a:p>
             <a:fld id="{FD16D8A6-CA92-40EB-9A78-3D08A004A8A0}" type="datetimeFigureOut">
               <a:rPr lang="en-US" smtClean="0"/>
-              <a:t>5/11/2023</a:t>
+              <a:t>5/28/2023</a:t>
             </a:fld>
             <a:endParaRPr lang="en-US"/>
           </a:p>
@@ -2071,7 +2072,7 @@
           <a:p>
             <a:fld id="{FD16D8A6-CA92-40EB-9A78-3D08A004A8A0}" type="datetimeFigureOut">
               <a:rPr lang="en-US" smtClean="0"/>
-              <a:t>5/11/2023</a:t>
+              <a:t>5/28/2023</a:t>
             </a:fld>
             <a:endParaRPr lang="en-US"/>
           </a:p>
@@ -2382,7 +2383,7 @@
           <a:p>
             <a:fld id="{FD16D8A6-CA92-40EB-9A78-3D08A004A8A0}" type="datetimeFigureOut">
               <a:rPr lang="en-US" smtClean="0"/>
-              <a:t>5/11/2023</a:t>
+              <a:t>5/28/2023</a:t>
             </a:fld>
             <a:endParaRPr lang="en-US"/>
           </a:p>
@@ -2670,7 +2671,7 @@
           <a:p>
             <a:fld id="{FD16D8A6-CA92-40EB-9A78-3D08A004A8A0}" type="datetimeFigureOut">
               <a:rPr lang="en-US" smtClean="0"/>
-              <a:t>5/11/2023</a:t>
+              <a:t>5/28/2023</a:t>
             </a:fld>
             <a:endParaRPr lang="en-US"/>
           </a:p>
@@ -2911,7 +2912,7 @@
           <a:p>
             <a:fld id="{FD16D8A6-CA92-40EB-9A78-3D08A004A8A0}" type="datetimeFigureOut">
               <a:rPr lang="en-US" smtClean="0"/>
-              <a:t>5/11/2023</a:t>
+              <a:t>5/28/2023</a:t>
             </a:fld>
             <a:endParaRPr lang="en-US"/>
           </a:p>
@@ -4537,7 +4538,7 @@
         </p:blipFill>
         <p:spPr>
           <a:xfrm>
-            <a:off x="3630705" y="3541058"/>
+            <a:off x="2806257" y="3173505"/>
             <a:ext cx="914400" cy="914400"/>
           </a:xfrm>
           <a:prstGeom prst="rect">
@@ -4576,7 +4577,7 @@
         </p:blipFill>
         <p:spPr>
           <a:xfrm>
-            <a:off x="7646897" y="3541058"/>
+            <a:off x="7829681" y="3268524"/>
             <a:ext cx="914400" cy="914400"/>
           </a:xfrm>
           <a:prstGeom prst="rect">
@@ -4615,7 +4616,7 @@
         </p:blipFill>
         <p:spPr>
           <a:xfrm>
-            <a:off x="5638800" y="1349188"/>
+            <a:off x="5386679" y="489806"/>
             <a:ext cx="914400" cy="914400"/>
           </a:xfrm>
           <a:prstGeom prst="rect">
@@ -4637,7 +4638,7 @@
         </p:nvSpPr>
         <p:spPr>
           <a:xfrm>
-            <a:off x="3720657" y="3356392"/>
+            <a:off x="2928502" y="2988839"/>
             <a:ext cx="734496" cy="369332"/>
           </a:xfrm>
           <a:prstGeom prst="rect">
@@ -4672,7 +4673,7 @@
         </p:nvSpPr>
         <p:spPr>
           <a:xfrm>
-            <a:off x="7736849" y="3356392"/>
+            <a:off x="7919633" y="3083858"/>
             <a:ext cx="734496" cy="369332"/>
           </a:xfrm>
           <a:prstGeom prst="rect">
@@ -4704,15 +4705,15 @@
           </p:cNvPr>
           <p:cNvCxnSpPr>
             <a:cxnSpLocks/>
-            <a:stCxn id="8" idx="1"/>
+            <a:stCxn id="8" idx="0"/>
             <a:endCxn id="6" idx="3"/>
           </p:cNvCxnSpPr>
           <p:nvPr/>
         </p:nvCxnSpPr>
         <p:spPr>
           <a:xfrm flipH="1" flipV="1">
-            <a:off x="6553200" y="1806388"/>
-            <a:ext cx="1183649" cy="1734670"/>
+            <a:off x="6301079" y="947006"/>
+            <a:ext cx="1985802" cy="2136852"/>
           </a:xfrm>
           <a:prstGeom prst="straightConnector1">
             <a:avLst/>
@@ -4748,14 +4749,14 @@
           <p:cNvCxnSpPr>
             <a:cxnSpLocks/>
             <a:stCxn id="6" idx="1"/>
-            <a:endCxn id="7" idx="3"/>
+            <a:endCxn id="7" idx="0"/>
           </p:cNvCxnSpPr>
           <p:nvPr/>
         </p:nvCxnSpPr>
         <p:spPr>
           <a:xfrm flipH="1">
-            <a:off x="4455153" y="1806388"/>
-            <a:ext cx="1183647" cy="1734670"/>
+            <a:off x="3295750" y="947006"/>
+            <a:ext cx="2090929" cy="2041833"/>
           </a:xfrm>
           <a:prstGeom prst="straightConnector1">
             <a:avLst/>
@@ -4793,8 +4794,8 @@
         </p:nvSpPr>
         <p:spPr>
           <a:xfrm>
-            <a:off x="5404802" y="2263588"/>
-            <a:ext cx="2134515" cy="523220"/>
+            <a:off x="7293980" y="1641447"/>
+            <a:ext cx="2134515" cy="307777"/>
           </a:xfrm>
           <a:prstGeom prst="rect">
             <a:avLst/>
@@ -4809,8 +4810,13 @@
           <a:p>
             <a:r>
               <a:rPr lang="en-US" sz="1400" dirty="0"/>
-              <a:t>1.  Send User2’s information to User1</a:t>
-            </a:r>
+              <a:t>1. Join </a:t>
+            </a:r>
+            <a:r>
+              <a:rPr lang="en-US" sz="1400" dirty="0" err="1"/>
+              <a:t>webRTC</a:t>
+            </a:r>
+            <a:endParaRPr lang="en-US" sz="1400" dirty="0"/>
           </a:p>
         </p:txBody>
       </p:sp>
@@ -4830,8 +4836,8 @@
         </p:nvCxnSpPr>
         <p:spPr>
           <a:xfrm>
-            <a:off x="4437525" y="3725724"/>
-            <a:ext cx="3299324" cy="0"/>
+            <a:off x="3720657" y="3493889"/>
+            <a:ext cx="4198976" cy="0"/>
           </a:xfrm>
           <a:prstGeom prst="straightConnector1">
             <a:avLst/>
@@ -4869,7 +4875,7 @@
         </p:nvSpPr>
         <p:spPr>
           <a:xfrm>
-            <a:off x="4787003" y="3356392"/>
+            <a:off x="4691228" y="3518435"/>
             <a:ext cx="2859894" cy="307777"/>
           </a:xfrm>
           <a:prstGeom prst="rect">
@@ -4885,7 +4891,7 @@
           <a:p>
             <a:r>
               <a:rPr lang="en-US" sz="1400" dirty="0"/>
-              <a:t>2. calls User2 / sends media stream</a:t>
+              <a:t>5. send media stream</a:t>
             </a:r>
           </a:p>
         </p:txBody>
@@ -4906,8 +4912,8 @@
         </p:nvCxnSpPr>
         <p:spPr>
           <a:xfrm flipH="1">
-            <a:off x="4545104" y="4233753"/>
-            <a:ext cx="3101793" cy="0"/>
+            <a:off x="3720657" y="3840171"/>
+            <a:ext cx="3959858" cy="0"/>
           </a:xfrm>
           <a:prstGeom prst="straightConnector1">
             <a:avLst/>
@@ -4933,10 +4939,10 @@
       </p:cxnSp>
       <p:sp>
         <p:nvSpPr>
-          <p:cNvPr id="29" name="TextBox 28">
-            <a:extLst>
-              <a:ext uri="{FF2B5EF4-FFF2-40B4-BE49-F238E27FC236}">
-                <a16:creationId xmlns:a16="http://schemas.microsoft.com/office/drawing/2014/main" id="{5B60F5C1-39E8-5A50-379A-E82F6A266486}"/>
+          <p:cNvPr id="2" name="TextBox 1">
+            <a:extLst>
+              <a:ext uri="{FF2B5EF4-FFF2-40B4-BE49-F238E27FC236}">
+                <a16:creationId xmlns:a16="http://schemas.microsoft.com/office/drawing/2014/main" id="{8E1EE511-F78B-D467-D7CE-D7560B3C223F}"/>
               </a:ext>
             </a:extLst>
           </p:cNvPr>
@@ -4945,8 +4951,8 @@
         </p:nvSpPr>
         <p:spPr>
           <a:xfrm>
-            <a:off x="4545104" y="4233752"/>
-            <a:ext cx="3451414" cy="307777"/>
+            <a:off x="3167802" y="1803701"/>
+            <a:ext cx="2134515" cy="307777"/>
           </a:xfrm>
           <a:prstGeom prst="rect">
             <a:avLst/>
@@ -4961,15 +4967,675 @@
           <a:p>
             <a:r>
               <a:rPr lang="en-US" sz="1400" dirty="0"/>
-              <a:t>3. answers User1’s call / sends media stream</a:t>
-            </a:r>
-          </a:p>
-        </p:txBody>
-      </p:sp>
+              <a:t>2. New peer</a:t>
+            </a:r>
+          </a:p>
+        </p:txBody>
+      </p:sp>
+      <p:cxnSp>
+        <p:nvCxnSpPr>
+          <p:cNvPr id="12" name="Straight Arrow Connector 11">
+            <a:extLst>
+              <a:ext uri="{FF2B5EF4-FFF2-40B4-BE49-F238E27FC236}">
+                <a16:creationId xmlns:a16="http://schemas.microsoft.com/office/drawing/2014/main" id="{632CD552-2ECD-BF3C-4E71-1064A919881B}"/>
+              </a:ext>
+            </a:extLst>
+          </p:cNvPr>
+          <p:cNvCxnSpPr>
+            <a:cxnSpLocks/>
+            <a:stCxn id="7" idx="3"/>
+          </p:cNvCxnSpPr>
+          <p:nvPr/>
+        </p:nvCxnSpPr>
+        <p:spPr>
+          <a:xfrm flipV="1">
+            <a:off x="3662998" y="1201271"/>
+            <a:ext cx="1923299" cy="1972234"/>
+          </a:xfrm>
+          <a:prstGeom prst="straightConnector1">
+            <a:avLst/>
+          </a:prstGeom>
+          <a:ln w="28575">
+            <a:tailEnd type="triangle"/>
+          </a:ln>
+        </p:spPr>
+        <p:style>
+          <a:lnRef idx="1">
+            <a:schemeClr val="accent1"/>
+          </a:lnRef>
+          <a:fillRef idx="0">
+            <a:schemeClr val="accent1"/>
+          </a:fillRef>
+          <a:effectRef idx="0">
+            <a:schemeClr val="accent1"/>
+          </a:effectRef>
+          <a:fontRef idx="minor">
+            <a:schemeClr val="tx1"/>
+          </a:fontRef>
+        </p:style>
+      </p:cxnSp>
+      <p:sp>
+        <p:nvSpPr>
+          <p:cNvPr id="15" name="TextBox 14">
+            <a:extLst>
+              <a:ext uri="{FF2B5EF4-FFF2-40B4-BE49-F238E27FC236}">
+                <a16:creationId xmlns:a16="http://schemas.microsoft.com/office/drawing/2014/main" id="{C17CBAD8-D4CC-4783-060A-289CCAA3DD4C}"/>
+              </a:ext>
+            </a:extLst>
+          </p:cNvPr>
+          <p:cNvSpPr txBox="1"/>
+          <p:nvPr/>
+        </p:nvSpPr>
+        <p:spPr>
+          <a:xfrm>
+            <a:off x="4807692" y="1895049"/>
+            <a:ext cx="2317223" cy="738664"/>
+          </a:xfrm>
+          <a:prstGeom prst="rect">
+            <a:avLst/>
+          </a:prstGeom>
+          <a:noFill/>
+        </p:spPr>
+        <p:txBody>
+          <a:bodyPr wrap="square" rtlCol="0">
+            <a:spAutoFit/>
+          </a:bodyPr>
+          <a:lstStyle/>
+          <a:p>
+            <a:r>
+              <a:rPr lang="en-US" sz="1400" dirty="0"/>
+              <a:t>3. User1 sends an offer</a:t>
+            </a:r>
+          </a:p>
+          <a:p>
+            <a:r>
+              <a:rPr lang="en-US" sz="1400" dirty="0"/>
+              <a:t>to User2, and ice candidate</a:t>
+            </a:r>
+          </a:p>
+          <a:p>
+            <a:r>
+              <a:rPr lang="en-US" sz="1400" dirty="0"/>
+              <a:t>4. User2 answers to User1</a:t>
+            </a:r>
+          </a:p>
+        </p:txBody>
+      </p:sp>
+      <p:cxnSp>
+        <p:nvCxnSpPr>
+          <p:cNvPr id="17" name="Straight Arrow Connector 16">
+            <a:extLst>
+              <a:ext uri="{FF2B5EF4-FFF2-40B4-BE49-F238E27FC236}">
+                <a16:creationId xmlns:a16="http://schemas.microsoft.com/office/drawing/2014/main" id="{778BEDFF-030D-87B6-5DDD-CBD3824A33AD}"/>
+              </a:ext>
+            </a:extLst>
+          </p:cNvPr>
+          <p:cNvCxnSpPr>
+            <a:cxnSpLocks/>
+            <a:endCxn id="8" idx="1"/>
+          </p:cNvCxnSpPr>
+          <p:nvPr/>
+        </p:nvCxnSpPr>
+        <p:spPr>
+          <a:xfrm>
+            <a:off x="6121175" y="1201271"/>
+            <a:ext cx="1798458" cy="2067253"/>
+          </a:xfrm>
+          <a:prstGeom prst="straightConnector1">
+            <a:avLst/>
+          </a:prstGeom>
+          <a:ln w="28575">
+            <a:tailEnd type="triangle"/>
+          </a:ln>
+        </p:spPr>
+        <p:style>
+          <a:lnRef idx="1">
+            <a:schemeClr val="accent1"/>
+          </a:lnRef>
+          <a:fillRef idx="0">
+            <a:schemeClr val="accent1"/>
+          </a:fillRef>
+          <a:effectRef idx="0">
+            <a:schemeClr val="accent1"/>
+          </a:effectRef>
+          <a:fontRef idx="minor">
+            <a:schemeClr val="tx1"/>
+          </a:fontRef>
+        </p:style>
+      </p:cxnSp>
     </p:spTree>
     <p:extLst>
       <p:ext uri="{BB962C8B-B14F-4D97-AF65-F5344CB8AC3E}">
         <p14:creationId xmlns:p14="http://schemas.microsoft.com/office/powerpoint/2010/main" val="804856496"/>
+      </p:ext>
+    </p:extLst>
+  </p:cSld>
+  <p:clrMapOvr>
+    <a:masterClrMapping/>
+  </p:clrMapOvr>
+</p:sld>
+</file>
+
+<file path=ppt/slides/slide4.xml><?xml version="1.0" encoding="utf-8"?>
+<p:sld xmlns:a="http://schemas.openxmlformats.org/drawingml/2006/main" xmlns:r="http://schemas.openxmlformats.org/officeDocument/2006/relationships" xmlns:p="http://schemas.openxmlformats.org/presentationml/2006/main">
+  <p:cSld>
+    <p:spTree>
+      <p:nvGrpSpPr>
+        <p:cNvPr id="1" name=""/>
+        <p:cNvGrpSpPr/>
+        <p:nvPr/>
+      </p:nvGrpSpPr>
+      <p:grpSpPr>
+        <a:xfrm>
+          <a:off x="0" y="0"/>
+          <a:ext cx="0" cy="0"/>
+          <a:chOff x="0" y="0"/>
+          <a:chExt cx="0" cy="0"/>
+        </a:xfrm>
+      </p:grpSpPr>
+      <p:pic>
+        <p:nvPicPr>
+          <p:cNvPr id="3" name="Graphic 2" descr="Internet">
+            <a:extLst>
+              <a:ext uri="{FF2B5EF4-FFF2-40B4-BE49-F238E27FC236}">
+                <a16:creationId xmlns:a16="http://schemas.microsoft.com/office/drawing/2014/main" id="{55E44EAC-1E9F-75DC-475D-06BDAEC35F67}"/>
+              </a:ext>
+            </a:extLst>
+          </p:cNvPr>
+          <p:cNvPicPr>
+            <a:picLocks noChangeAspect="1"/>
+          </p:cNvPicPr>
+          <p:nvPr/>
+        </p:nvPicPr>
+        <p:blipFill>
+          <a:blip r:embed="rId2">
+            <a:extLst>
+              <a:ext uri="{28A0092B-C50C-407E-A947-70E740481C1C}">
+                <a14:useLocalDpi xmlns:a14="http://schemas.microsoft.com/office/drawing/2010/main" val="0"/>
+              </a:ext>
+              <a:ext uri="{96DAC541-7B7A-43D3-8B79-37D633B846F1}">
+                <asvg:svgBlip xmlns:asvg="http://schemas.microsoft.com/office/drawing/2016/SVG/main" r:embed="rId3"/>
+              </a:ext>
+            </a:extLst>
+          </a:blip>
+          <a:stretch>
+            <a:fillRect/>
+          </a:stretch>
+        </p:blipFill>
+        <p:spPr>
+          <a:xfrm>
+            <a:off x="3630705" y="3541058"/>
+            <a:ext cx="914400" cy="914400"/>
+          </a:xfrm>
+          <a:prstGeom prst="rect">
+            <a:avLst/>
+          </a:prstGeom>
+        </p:spPr>
+      </p:pic>
+      <p:pic>
+        <p:nvPicPr>
+          <p:cNvPr id="4" name="Graphic 3" descr="Internet">
+            <a:extLst>
+              <a:ext uri="{FF2B5EF4-FFF2-40B4-BE49-F238E27FC236}">
+                <a16:creationId xmlns:a16="http://schemas.microsoft.com/office/drawing/2014/main" id="{5E89D127-A016-91F8-584F-070A287EFB89}"/>
+              </a:ext>
+            </a:extLst>
+          </p:cNvPr>
+          <p:cNvPicPr>
+            <a:picLocks noChangeAspect="1"/>
+          </p:cNvPicPr>
+          <p:nvPr/>
+        </p:nvPicPr>
+        <p:blipFill>
+          <a:blip r:embed="rId2">
+            <a:extLst>
+              <a:ext uri="{28A0092B-C50C-407E-A947-70E740481C1C}">
+                <a14:useLocalDpi xmlns:a14="http://schemas.microsoft.com/office/drawing/2010/main" val="0"/>
+              </a:ext>
+              <a:ext uri="{96DAC541-7B7A-43D3-8B79-37D633B846F1}">
+                <asvg:svgBlip xmlns:asvg="http://schemas.microsoft.com/office/drawing/2016/SVG/main" r:embed="rId3"/>
+              </a:ext>
+            </a:extLst>
+          </a:blip>
+          <a:stretch>
+            <a:fillRect/>
+          </a:stretch>
+        </p:blipFill>
+        <p:spPr>
+          <a:xfrm>
+            <a:off x="7646897" y="3541058"/>
+            <a:ext cx="914400" cy="914400"/>
+          </a:xfrm>
+          <a:prstGeom prst="rect">
+            <a:avLst/>
+          </a:prstGeom>
+        </p:spPr>
+      </p:pic>
+      <p:pic>
+        <p:nvPicPr>
+          <p:cNvPr id="6" name="Graphic 5" descr="Database">
+            <a:extLst>
+              <a:ext uri="{FF2B5EF4-FFF2-40B4-BE49-F238E27FC236}">
+                <a16:creationId xmlns:a16="http://schemas.microsoft.com/office/drawing/2014/main" id="{757A7CAC-756F-1456-C9C4-3ABC6785C26B}"/>
+              </a:ext>
+            </a:extLst>
+          </p:cNvPr>
+          <p:cNvPicPr>
+            <a:picLocks noChangeAspect="1"/>
+          </p:cNvPicPr>
+          <p:nvPr/>
+        </p:nvPicPr>
+        <p:blipFill>
+          <a:blip r:embed="rId4">
+            <a:extLst>
+              <a:ext uri="{28A0092B-C50C-407E-A947-70E740481C1C}">
+                <a14:useLocalDpi xmlns:a14="http://schemas.microsoft.com/office/drawing/2010/main" val="0"/>
+              </a:ext>
+              <a:ext uri="{96DAC541-7B7A-43D3-8B79-37D633B846F1}">
+                <asvg:svgBlip xmlns:asvg="http://schemas.microsoft.com/office/drawing/2016/SVG/main" r:embed="rId5"/>
+              </a:ext>
+            </a:extLst>
+          </a:blip>
+          <a:stretch>
+            <a:fillRect/>
+          </a:stretch>
+        </p:blipFill>
+        <p:spPr>
+          <a:xfrm>
+            <a:off x="5638800" y="1349188"/>
+            <a:ext cx="914400" cy="914400"/>
+          </a:xfrm>
+          <a:prstGeom prst="rect">
+            <a:avLst/>
+          </a:prstGeom>
+        </p:spPr>
+      </p:pic>
+      <p:sp>
+        <p:nvSpPr>
+          <p:cNvPr id="7" name="TextBox 6">
+            <a:extLst>
+              <a:ext uri="{FF2B5EF4-FFF2-40B4-BE49-F238E27FC236}">
+                <a16:creationId xmlns:a16="http://schemas.microsoft.com/office/drawing/2014/main" id="{72794D46-B6E1-EF04-F32E-44D30BA0FF05}"/>
+              </a:ext>
+            </a:extLst>
+          </p:cNvPr>
+          <p:cNvSpPr txBox="1"/>
+          <p:nvPr/>
+        </p:nvSpPr>
+        <p:spPr>
+          <a:xfrm>
+            <a:off x="3720657" y="3356392"/>
+            <a:ext cx="734496" cy="369332"/>
+          </a:xfrm>
+          <a:prstGeom prst="rect">
+            <a:avLst/>
+          </a:prstGeom>
+          <a:noFill/>
+        </p:spPr>
+        <p:txBody>
+          <a:bodyPr wrap="none" rtlCol="0">
+            <a:spAutoFit/>
+          </a:bodyPr>
+          <a:lstStyle/>
+          <a:p>
+            <a:r>
+              <a:rPr lang="en-US" dirty="0"/>
+              <a:t>User1</a:t>
+            </a:r>
+          </a:p>
+        </p:txBody>
+      </p:sp>
+      <p:sp>
+        <p:nvSpPr>
+          <p:cNvPr id="8" name="TextBox 7">
+            <a:extLst>
+              <a:ext uri="{FF2B5EF4-FFF2-40B4-BE49-F238E27FC236}">
+                <a16:creationId xmlns:a16="http://schemas.microsoft.com/office/drawing/2014/main" id="{FA250907-7037-473D-89FE-581C803108A4}"/>
+              </a:ext>
+            </a:extLst>
+          </p:cNvPr>
+          <p:cNvSpPr txBox="1"/>
+          <p:nvPr/>
+        </p:nvSpPr>
+        <p:spPr>
+          <a:xfrm>
+            <a:off x="7736849" y="3356392"/>
+            <a:ext cx="734496" cy="369332"/>
+          </a:xfrm>
+          <a:prstGeom prst="rect">
+            <a:avLst/>
+          </a:prstGeom>
+          <a:noFill/>
+        </p:spPr>
+        <p:txBody>
+          <a:bodyPr wrap="none" rtlCol="0">
+            <a:spAutoFit/>
+          </a:bodyPr>
+          <a:lstStyle/>
+          <a:p>
+            <a:r>
+              <a:rPr lang="en-US" dirty="0"/>
+              <a:t>User2</a:t>
+            </a:r>
+          </a:p>
+        </p:txBody>
+      </p:sp>
+      <p:cxnSp>
+        <p:nvCxnSpPr>
+          <p:cNvPr id="10" name="Straight Arrow Connector 9">
+            <a:extLst>
+              <a:ext uri="{FF2B5EF4-FFF2-40B4-BE49-F238E27FC236}">
+                <a16:creationId xmlns:a16="http://schemas.microsoft.com/office/drawing/2014/main" id="{4F8DA50C-8992-87C0-5FAE-D20CEAD145F9}"/>
+              </a:ext>
+            </a:extLst>
+          </p:cNvPr>
+          <p:cNvCxnSpPr>
+            <a:cxnSpLocks/>
+            <a:stCxn id="8" idx="1"/>
+            <a:endCxn id="6" idx="3"/>
+          </p:cNvCxnSpPr>
+          <p:nvPr/>
+        </p:nvCxnSpPr>
+        <p:spPr>
+          <a:xfrm flipH="1" flipV="1">
+            <a:off x="6553200" y="1806388"/>
+            <a:ext cx="1183649" cy="1734670"/>
+          </a:xfrm>
+          <a:prstGeom prst="straightConnector1">
+            <a:avLst/>
+          </a:prstGeom>
+          <a:ln w="28575">
+            <a:tailEnd type="triangle"/>
+          </a:ln>
+        </p:spPr>
+        <p:style>
+          <a:lnRef idx="1">
+            <a:schemeClr val="accent1"/>
+          </a:lnRef>
+          <a:fillRef idx="0">
+            <a:schemeClr val="accent1"/>
+          </a:fillRef>
+          <a:effectRef idx="0">
+            <a:schemeClr val="accent1"/>
+          </a:effectRef>
+          <a:fontRef idx="minor">
+            <a:schemeClr val="tx1"/>
+          </a:fontRef>
+        </p:style>
+      </p:cxnSp>
+      <p:cxnSp>
+        <p:nvCxnSpPr>
+          <p:cNvPr id="11" name="Straight Arrow Connector 10">
+            <a:extLst>
+              <a:ext uri="{FF2B5EF4-FFF2-40B4-BE49-F238E27FC236}">
+                <a16:creationId xmlns:a16="http://schemas.microsoft.com/office/drawing/2014/main" id="{ECAC7BB7-4E6A-E2DA-442D-990B1311C78B}"/>
+              </a:ext>
+            </a:extLst>
+          </p:cNvPr>
+          <p:cNvCxnSpPr>
+            <a:cxnSpLocks/>
+            <a:stCxn id="6" idx="1"/>
+            <a:endCxn id="7" idx="3"/>
+          </p:cNvCxnSpPr>
+          <p:nvPr/>
+        </p:nvCxnSpPr>
+        <p:spPr>
+          <a:xfrm flipH="1">
+            <a:off x="4455153" y="1806388"/>
+            <a:ext cx="1183647" cy="1734670"/>
+          </a:xfrm>
+          <a:prstGeom prst="straightConnector1">
+            <a:avLst/>
+          </a:prstGeom>
+          <a:ln w="28575">
+            <a:tailEnd type="triangle"/>
+          </a:ln>
+        </p:spPr>
+        <p:style>
+          <a:lnRef idx="1">
+            <a:schemeClr val="accent1"/>
+          </a:lnRef>
+          <a:fillRef idx="0">
+            <a:schemeClr val="accent1"/>
+          </a:fillRef>
+          <a:effectRef idx="0">
+            <a:schemeClr val="accent1"/>
+          </a:effectRef>
+          <a:fontRef idx="minor">
+            <a:schemeClr val="tx1"/>
+          </a:fontRef>
+        </p:style>
+      </p:cxnSp>
+      <p:sp>
+        <p:nvSpPr>
+          <p:cNvPr id="16" name="TextBox 15">
+            <a:extLst>
+              <a:ext uri="{FF2B5EF4-FFF2-40B4-BE49-F238E27FC236}">
+                <a16:creationId xmlns:a16="http://schemas.microsoft.com/office/drawing/2014/main" id="{15AB8A39-1DD1-E74F-AA9B-7EB9562A5A06}"/>
+              </a:ext>
+            </a:extLst>
+          </p:cNvPr>
+          <p:cNvSpPr txBox="1"/>
+          <p:nvPr/>
+        </p:nvSpPr>
+        <p:spPr>
+          <a:xfrm>
+            <a:off x="5404802" y="2263588"/>
+            <a:ext cx="2134515" cy="523220"/>
+          </a:xfrm>
+          <a:prstGeom prst="rect">
+            <a:avLst/>
+          </a:prstGeom>
+          <a:noFill/>
+        </p:spPr>
+        <p:txBody>
+          <a:bodyPr wrap="square" rtlCol="0">
+            <a:spAutoFit/>
+          </a:bodyPr>
+          <a:lstStyle/>
+          <a:p>
+            <a:r>
+              <a:rPr lang="en-US" sz="1400" dirty="0"/>
+              <a:t>1.  Send User2’s information to User1</a:t>
+            </a:r>
+          </a:p>
+        </p:txBody>
+      </p:sp>
+      <p:cxnSp>
+        <p:nvCxnSpPr>
+          <p:cNvPr id="23" name="Straight Arrow Connector 22">
+            <a:extLst>
+              <a:ext uri="{FF2B5EF4-FFF2-40B4-BE49-F238E27FC236}">
+                <a16:creationId xmlns:a16="http://schemas.microsoft.com/office/drawing/2014/main" id="{8910C982-FBC2-7F6F-1962-7004F4F9FFED}"/>
+              </a:ext>
+            </a:extLst>
+          </p:cNvPr>
+          <p:cNvCxnSpPr>
+            <a:cxnSpLocks/>
+          </p:cNvCxnSpPr>
+          <p:nvPr/>
+        </p:nvCxnSpPr>
+        <p:spPr>
+          <a:xfrm>
+            <a:off x="4437525" y="3725724"/>
+            <a:ext cx="3299324" cy="0"/>
+          </a:xfrm>
+          <a:prstGeom prst="straightConnector1">
+            <a:avLst/>
+          </a:prstGeom>
+          <a:ln w="28575">
+            <a:tailEnd type="triangle"/>
+          </a:ln>
+        </p:spPr>
+        <p:style>
+          <a:lnRef idx="1">
+            <a:schemeClr val="accent1"/>
+          </a:lnRef>
+          <a:fillRef idx="0">
+            <a:schemeClr val="accent1"/>
+          </a:fillRef>
+          <a:effectRef idx="0">
+            <a:schemeClr val="accent1"/>
+          </a:effectRef>
+          <a:fontRef idx="minor">
+            <a:schemeClr val="tx1"/>
+          </a:fontRef>
+        </p:style>
+      </p:cxnSp>
+      <p:sp>
+        <p:nvSpPr>
+          <p:cNvPr id="26" name="TextBox 25">
+            <a:extLst>
+              <a:ext uri="{FF2B5EF4-FFF2-40B4-BE49-F238E27FC236}">
+                <a16:creationId xmlns:a16="http://schemas.microsoft.com/office/drawing/2014/main" id="{C6309889-AEA0-941A-1D88-40E4FEB2326A}"/>
+              </a:ext>
+            </a:extLst>
+          </p:cNvPr>
+          <p:cNvSpPr txBox="1"/>
+          <p:nvPr/>
+        </p:nvSpPr>
+        <p:spPr>
+          <a:xfrm>
+            <a:off x="4787003" y="3356392"/>
+            <a:ext cx="2859894" cy="307777"/>
+          </a:xfrm>
+          <a:prstGeom prst="rect">
+            <a:avLst/>
+          </a:prstGeom>
+          <a:noFill/>
+        </p:spPr>
+        <p:txBody>
+          <a:bodyPr wrap="square" rtlCol="0">
+            <a:spAutoFit/>
+          </a:bodyPr>
+          <a:lstStyle/>
+          <a:p>
+            <a:r>
+              <a:rPr lang="en-US" sz="1400" dirty="0"/>
+              <a:t>2. calls User2 / sends media stream</a:t>
+            </a:r>
+          </a:p>
+        </p:txBody>
+      </p:sp>
+      <p:cxnSp>
+        <p:nvCxnSpPr>
+          <p:cNvPr id="28" name="Straight Arrow Connector 27">
+            <a:extLst>
+              <a:ext uri="{FF2B5EF4-FFF2-40B4-BE49-F238E27FC236}">
+                <a16:creationId xmlns:a16="http://schemas.microsoft.com/office/drawing/2014/main" id="{8A8462E9-F016-6C41-4872-259F89C64ABB}"/>
+              </a:ext>
+            </a:extLst>
+          </p:cNvPr>
+          <p:cNvCxnSpPr>
+            <a:cxnSpLocks/>
+          </p:cNvCxnSpPr>
+          <p:nvPr/>
+        </p:nvCxnSpPr>
+        <p:spPr>
+          <a:xfrm flipH="1">
+            <a:off x="4545104" y="4233753"/>
+            <a:ext cx="3101793" cy="0"/>
+          </a:xfrm>
+          <a:prstGeom prst="straightConnector1">
+            <a:avLst/>
+          </a:prstGeom>
+          <a:ln w="28575">
+            <a:tailEnd type="triangle"/>
+          </a:ln>
+        </p:spPr>
+        <p:style>
+          <a:lnRef idx="1">
+            <a:schemeClr val="accent1"/>
+          </a:lnRef>
+          <a:fillRef idx="0">
+            <a:schemeClr val="accent1"/>
+          </a:fillRef>
+          <a:effectRef idx="0">
+            <a:schemeClr val="accent1"/>
+          </a:effectRef>
+          <a:fontRef idx="minor">
+            <a:schemeClr val="tx1"/>
+          </a:fontRef>
+        </p:style>
+      </p:cxnSp>
+      <p:sp>
+        <p:nvSpPr>
+          <p:cNvPr id="29" name="TextBox 28">
+            <a:extLst>
+              <a:ext uri="{FF2B5EF4-FFF2-40B4-BE49-F238E27FC236}">
+                <a16:creationId xmlns:a16="http://schemas.microsoft.com/office/drawing/2014/main" id="{5B60F5C1-39E8-5A50-379A-E82F6A266486}"/>
+              </a:ext>
+            </a:extLst>
+          </p:cNvPr>
+          <p:cNvSpPr txBox="1"/>
+          <p:nvPr/>
+        </p:nvSpPr>
+        <p:spPr>
+          <a:xfrm>
+            <a:off x="4545104" y="4233752"/>
+            <a:ext cx="3451414" cy="307777"/>
+          </a:xfrm>
+          <a:prstGeom prst="rect">
+            <a:avLst/>
+          </a:prstGeom>
+          <a:noFill/>
+        </p:spPr>
+        <p:txBody>
+          <a:bodyPr wrap="square" rtlCol="0">
+            <a:spAutoFit/>
+          </a:bodyPr>
+          <a:lstStyle/>
+          <a:p>
+            <a:r>
+              <a:rPr lang="en-US" sz="1400" dirty="0"/>
+              <a:t>3. answers User1’s call / sends media stream</a:t>
+            </a:r>
+          </a:p>
+        </p:txBody>
+      </p:sp>
+      <p:sp>
+        <p:nvSpPr>
+          <p:cNvPr id="2" name="TextBox 1">
+            <a:extLst>
+              <a:ext uri="{FF2B5EF4-FFF2-40B4-BE49-F238E27FC236}">
+                <a16:creationId xmlns:a16="http://schemas.microsoft.com/office/drawing/2014/main" id="{161B11BE-D263-8C8D-4DBC-AB2866969B8B}"/>
+              </a:ext>
+            </a:extLst>
+          </p:cNvPr>
+          <p:cNvSpPr txBox="1"/>
+          <p:nvPr/>
+        </p:nvSpPr>
+        <p:spPr>
+          <a:xfrm>
+            <a:off x="5697493" y="1065492"/>
+            <a:ext cx="797013" cy="646331"/>
+          </a:xfrm>
+          <a:prstGeom prst="rect">
+            <a:avLst/>
+          </a:prstGeom>
+          <a:noFill/>
+        </p:spPr>
+        <p:txBody>
+          <a:bodyPr wrap="none" rtlCol="0">
+            <a:spAutoFit/>
+          </a:bodyPr>
+          <a:lstStyle/>
+          <a:p>
+            <a:r>
+              <a:rPr lang="en-US" dirty="0" err="1"/>
+              <a:t>peerJS</a:t>
+            </a:r>
+            <a:endParaRPr lang="en-US" dirty="0"/>
+          </a:p>
+          <a:p>
+            <a:endParaRPr lang="en-US" dirty="0"/>
+          </a:p>
+        </p:txBody>
+      </p:sp>
+    </p:spTree>
+    <p:extLst>
+      <p:ext uri="{BB962C8B-B14F-4D97-AF65-F5344CB8AC3E}">
+        <p14:creationId xmlns:p14="http://schemas.microsoft.com/office/powerpoint/2010/main" val="651891489"/>
       </p:ext>
     </p:extLst>
   </p:cSld>

--- a/Architecture.pptx
+++ b/Architecture.pptx
@@ -262,7 +262,7 @@
           <a:p>
             <a:fld id="{FD16D8A6-CA92-40EB-9A78-3D08A004A8A0}" type="datetimeFigureOut">
               <a:rPr lang="en-US" smtClean="0"/>
-              <a:t>5/28/2023</a:t>
+              <a:t>5/29/2023</a:t>
             </a:fld>
             <a:endParaRPr lang="en-US"/>
           </a:p>
@@ -460,7 +460,7 @@
           <a:p>
             <a:fld id="{FD16D8A6-CA92-40EB-9A78-3D08A004A8A0}" type="datetimeFigureOut">
               <a:rPr lang="en-US" smtClean="0"/>
-              <a:t>5/28/2023</a:t>
+              <a:t>5/29/2023</a:t>
             </a:fld>
             <a:endParaRPr lang="en-US"/>
           </a:p>
@@ -668,7 +668,7 @@
           <a:p>
             <a:fld id="{FD16D8A6-CA92-40EB-9A78-3D08A004A8A0}" type="datetimeFigureOut">
               <a:rPr lang="en-US" smtClean="0"/>
-              <a:t>5/28/2023</a:t>
+              <a:t>5/29/2023</a:t>
             </a:fld>
             <a:endParaRPr lang="en-US"/>
           </a:p>
@@ -866,7 +866,7 @@
           <a:p>
             <a:fld id="{FD16D8A6-CA92-40EB-9A78-3D08A004A8A0}" type="datetimeFigureOut">
               <a:rPr lang="en-US" smtClean="0"/>
-              <a:t>5/28/2023</a:t>
+              <a:t>5/29/2023</a:t>
             </a:fld>
             <a:endParaRPr lang="en-US"/>
           </a:p>
@@ -1141,7 +1141,7 @@
           <a:p>
             <a:fld id="{FD16D8A6-CA92-40EB-9A78-3D08A004A8A0}" type="datetimeFigureOut">
               <a:rPr lang="en-US" smtClean="0"/>
-              <a:t>5/28/2023</a:t>
+              <a:t>5/29/2023</a:t>
             </a:fld>
             <a:endParaRPr lang="en-US"/>
           </a:p>
@@ -1406,7 +1406,7 @@
           <a:p>
             <a:fld id="{FD16D8A6-CA92-40EB-9A78-3D08A004A8A0}" type="datetimeFigureOut">
               <a:rPr lang="en-US" smtClean="0"/>
-              <a:t>5/28/2023</a:t>
+              <a:t>5/29/2023</a:t>
             </a:fld>
             <a:endParaRPr lang="en-US"/>
           </a:p>
@@ -1818,7 +1818,7 @@
           <a:p>
             <a:fld id="{FD16D8A6-CA92-40EB-9A78-3D08A004A8A0}" type="datetimeFigureOut">
               <a:rPr lang="en-US" smtClean="0"/>
-              <a:t>5/28/2023</a:t>
+              <a:t>5/29/2023</a:t>
             </a:fld>
             <a:endParaRPr lang="en-US"/>
           </a:p>
@@ -1959,7 +1959,7 @@
           <a:p>
             <a:fld id="{FD16D8A6-CA92-40EB-9A78-3D08A004A8A0}" type="datetimeFigureOut">
               <a:rPr lang="en-US" smtClean="0"/>
-              <a:t>5/28/2023</a:t>
+              <a:t>5/29/2023</a:t>
             </a:fld>
             <a:endParaRPr lang="en-US"/>
           </a:p>
@@ -2072,7 +2072,7 @@
           <a:p>
             <a:fld id="{FD16D8A6-CA92-40EB-9A78-3D08A004A8A0}" type="datetimeFigureOut">
               <a:rPr lang="en-US" smtClean="0"/>
-              <a:t>5/28/2023</a:t>
+              <a:t>5/29/2023</a:t>
             </a:fld>
             <a:endParaRPr lang="en-US"/>
           </a:p>
@@ -2383,7 +2383,7 @@
           <a:p>
             <a:fld id="{FD16D8A6-CA92-40EB-9A78-3D08A004A8A0}" type="datetimeFigureOut">
               <a:rPr lang="en-US" smtClean="0"/>
-              <a:t>5/28/2023</a:t>
+              <a:t>5/29/2023</a:t>
             </a:fld>
             <a:endParaRPr lang="en-US"/>
           </a:p>
@@ -2671,7 +2671,7 @@
           <a:p>
             <a:fld id="{FD16D8A6-CA92-40EB-9A78-3D08A004A8A0}" type="datetimeFigureOut">
               <a:rPr lang="en-US" smtClean="0"/>
-              <a:t>5/28/2023</a:t>
+              <a:t>5/29/2023</a:t>
             </a:fld>
             <a:endParaRPr lang="en-US"/>
           </a:p>
@@ -2912,7 +2912,7 @@
           <a:p>
             <a:fld id="{FD16D8A6-CA92-40EB-9A78-3D08A004A8A0}" type="datetimeFigureOut">
               <a:rPr lang="en-US" smtClean="0"/>
-              <a:t>5/28/2023</a:t>
+              <a:t>5/29/2023</a:t>
             </a:fld>
             <a:endParaRPr lang="en-US"/>
           </a:p>
@@ -5028,8 +5028,8 @@
         </p:nvSpPr>
         <p:spPr>
           <a:xfrm>
-            <a:off x="4807692" y="1895049"/>
-            <a:ext cx="2317223" cy="738664"/>
+            <a:off x="4548757" y="2152177"/>
+            <a:ext cx="2684330" cy="523220"/>
           </a:xfrm>
           <a:prstGeom prst="rect">
             <a:avLst/>
@@ -5044,13 +5044,7 @@
           <a:p>
             <a:r>
               <a:rPr lang="en-US" sz="1400" dirty="0"/>
-              <a:t>3. User1 sends an offer</a:t>
-            </a:r>
-          </a:p>
-          <a:p>
-            <a:r>
-              <a:rPr lang="en-US" sz="1400" dirty="0"/>
-              <a:t>to User2, and ice candidate</a:t>
+              <a:t>3. User1 sends an offer to User2</a:t>
             </a:r>
           </a:p>
           <a:p>

--- a/Architecture.pptx
+++ b/Architecture.pptx
@@ -4875,7 +4875,7 @@
         </p:nvSpPr>
         <p:spPr>
           <a:xfrm>
-            <a:off x="4691228" y="3518435"/>
+            <a:off x="4691228" y="3491826"/>
             <a:ext cx="2859894" cy="307777"/>
           </a:xfrm>
           <a:prstGeom prst="rect">
@@ -5028,8 +5028,8 @@
         </p:nvSpPr>
         <p:spPr>
           <a:xfrm>
-            <a:off x="4548757" y="2152177"/>
-            <a:ext cx="2684330" cy="523220"/>
+            <a:off x="4564674" y="1918000"/>
+            <a:ext cx="2684330" cy="1169551"/>
           </a:xfrm>
           <a:prstGeom prst="rect">
             <a:avLst/>
@@ -5044,6 +5044,12 @@
           <a:p>
             <a:r>
               <a:rPr lang="en-US" sz="1400" dirty="0"/>
+              <a:t>                Signaling server</a:t>
+            </a:r>
+          </a:p>
+          <a:p>
+            <a:r>
+              <a:rPr lang="en-US" sz="1400" dirty="0"/>
               <a:t>3. User1 sends an offer to User2</a:t>
             </a:r>
           </a:p>
@@ -5051,6 +5057,12 @@
             <a:r>
               <a:rPr lang="en-US" sz="1400" dirty="0"/>
               <a:t>4. User2 answers to User1</a:t>
+            </a:r>
+          </a:p>
+          <a:p>
+            <a:r>
+              <a:rPr lang="en-US" sz="1400" dirty="0"/>
+              <a:t>Also, ICE candidates are transmitted</a:t>
             </a:r>
           </a:p>
         </p:txBody>
@@ -5097,6 +5109,166 @@
           </a:fontRef>
         </p:style>
       </p:cxnSp>
+      <p:pic>
+        <p:nvPicPr>
+          <p:cNvPr id="9" name="Graphic 8" descr="Server">
+            <a:extLst>
+              <a:ext uri="{FF2B5EF4-FFF2-40B4-BE49-F238E27FC236}">
+                <a16:creationId xmlns:a16="http://schemas.microsoft.com/office/drawing/2014/main" id="{BC74BC79-D627-E748-A4F5-A43A8D4FA624}"/>
+              </a:ext>
+            </a:extLst>
+          </p:cNvPr>
+          <p:cNvPicPr>
+            <a:picLocks noChangeAspect="1"/>
+          </p:cNvPicPr>
+          <p:nvPr/>
+        </p:nvPicPr>
+        <p:blipFill>
+          <a:blip r:embed="rId6">
+            <a:extLst>
+              <a:ext uri="{28A0092B-C50C-407E-A947-70E740481C1C}">
+                <a14:useLocalDpi xmlns:a14="http://schemas.microsoft.com/office/drawing/2010/main" val="0"/>
+              </a:ext>
+              <a:ext uri="{96DAC541-7B7A-43D3-8B79-37D633B846F1}">
+                <asvg:svgBlip xmlns:asvg="http://schemas.microsoft.com/office/drawing/2016/SVG/main" r:embed="rId7"/>
+              </a:ext>
+            </a:extLst>
+          </a:blip>
+          <a:stretch>
+            <a:fillRect/>
+          </a:stretch>
+        </p:blipFill>
+        <p:spPr>
+          <a:xfrm>
+            <a:off x="5217460" y="4312382"/>
+            <a:ext cx="914400" cy="914400"/>
+          </a:xfrm>
+          <a:prstGeom prst="rect">
+            <a:avLst/>
+          </a:prstGeom>
+        </p:spPr>
+      </p:pic>
+      <p:cxnSp>
+        <p:nvCxnSpPr>
+          <p:cNvPr id="13" name="Straight Arrow Connector 12">
+            <a:extLst>
+              <a:ext uri="{FF2B5EF4-FFF2-40B4-BE49-F238E27FC236}">
+                <a16:creationId xmlns:a16="http://schemas.microsoft.com/office/drawing/2014/main" id="{9384AD6E-2CBF-1305-F627-D65D5A0EA61E}"/>
+              </a:ext>
+            </a:extLst>
+          </p:cNvPr>
+          <p:cNvCxnSpPr>
+            <a:cxnSpLocks/>
+            <a:stCxn id="9" idx="1"/>
+            <a:endCxn id="3" idx="2"/>
+          </p:cNvCxnSpPr>
+          <p:nvPr/>
+        </p:nvCxnSpPr>
+        <p:spPr>
+          <a:xfrm flipH="1" flipV="1">
+            <a:off x="3263457" y="4087905"/>
+            <a:ext cx="1954003" cy="681677"/>
+          </a:xfrm>
+          <a:prstGeom prst="straightConnector1">
+            <a:avLst/>
+          </a:prstGeom>
+          <a:ln w="28575">
+            <a:tailEnd type="triangle"/>
+          </a:ln>
+        </p:spPr>
+        <p:style>
+          <a:lnRef idx="1">
+            <a:schemeClr val="accent1"/>
+          </a:lnRef>
+          <a:fillRef idx="0">
+            <a:schemeClr val="accent1"/>
+          </a:fillRef>
+          <a:effectRef idx="0">
+            <a:schemeClr val="accent1"/>
+          </a:effectRef>
+          <a:fontRef idx="minor">
+            <a:schemeClr val="tx1"/>
+          </a:fontRef>
+        </p:style>
+      </p:cxnSp>
+      <p:cxnSp>
+        <p:nvCxnSpPr>
+          <p:cNvPr id="19" name="Straight Arrow Connector 18">
+            <a:extLst>
+              <a:ext uri="{FF2B5EF4-FFF2-40B4-BE49-F238E27FC236}">
+                <a16:creationId xmlns:a16="http://schemas.microsoft.com/office/drawing/2014/main" id="{D5259024-2A38-3025-9DCB-A8D772E47E09}"/>
+              </a:ext>
+            </a:extLst>
+          </p:cNvPr>
+          <p:cNvCxnSpPr>
+            <a:cxnSpLocks/>
+            <a:stCxn id="9" idx="3"/>
+            <a:endCxn id="4" idx="2"/>
+          </p:cNvCxnSpPr>
+          <p:nvPr/>
+        </p:nvCxnSpPr>
+        <p:spPr>
+          <a:xfrm flipV="1">
+            <a:off x="6131860" y="4182924"/>
+            <a:ext cx="2155021" cy="586658"/>
+          </a:xfrm>
+          <a:prstGeom prst="straightConnector1">
+            <a:avLst/>
+          </a:prstGeom>
+          <a:ln w="28575">
+            <a:tailEnd type="triangle"/>
+          </a:ln>
+        </p:spPr>
+        <p:style>
+          <a:lnRef idx="1">
+            <a:schemeClr val="accent1"/>
+          </a:lnRef>
+          <a:fillRef idx="0">
+            <a:schemeClr val="accent1"/>
+          </a:fillRef>
+          <a:effectRef idx="0">
+            <a:schemeClr val="accent1"/>
+          </a:effectRef>
+          <a:fontRef idx="minor">
+            <a:schemeClr val="tx1"/>
+          </a:fontRef>
+        </p:style>
+      </p:cxnSp>
+      <p:sp>
+        <p:nvSpPr>
+          <p:cNvPr id="22" name="TextBox 21">
+            <a:extLst>
+              <a:ext uri="{FF2B5EF4-FFF2-40B4-BE49-F238E27FC236}">
+                <a16:creationId xmlns:a16="http://schemas.microsoft.com/office/drawing/2014/main" id="{9F205EA4-8B91-AB97-58CA-D1F42E5DBE78}"/>
+              </a:ext>
+            </a:extLst>
+          </p:cNvPr>
+          <p:cNvSpPr txBox="1"/>
+          <p:nvPr/>
+        </p:nvSpPr>
+        <p:spPr>
+          <a:xfrm>
+            <a:off x="4330059" y="3929061"/>
+            <a:ext cx="3582231" cy="523220"/>
+          </a:xfrm>
+          <a:prstGeom prst="rect">
+            <a:avLst/>
+          </a:prstGeom>
+          <a:noFill/>
+        </p:spPr>
+        <p:txBody>
+          <a:bodyPr wrap="square" rtlCol="0">
+            <a:spAutoFit/>
+          </a:bodyPr>
+          <a:lstStyle/>
+          <a:p>
+            <a:r>
+              <a:rPr lang="en-US" sz="1400" dirty="0"/>
+              <a:t>STUN server let users know their public IP, which is included in ICE candidates</a:t>
+            </a:r>
+          </a:p>
+        </p:txBody>
+      </p:sp>
     </p:spTree>
     <p:extLst>
       <p:ext uri="{BB962C8B-B14F-4D97-AF65-F5344CB8AC3E}">
